--- a/design-resources/cube.pptx
+++ b/design-resources/cube.pptx
@@ -247,7 +247,7 @@
           <a:p>
             <a:fld id="{E0ADA58B-37F3-AF4F-BA06-1170185DEFC5}" type="datetimeFigureOut">
               <a:rPr lang="en-IL" smtClean="0"/>
-              <a:t>24/02/2025</a:t>
+              <a:t>16/03/2025</a:t>
             </a:fld>
             <a:endParaRPr lang="en-IL"/>
           </a:p>
@@ -417,7 +417,7 @@
           <a:p>
             <a:fld id="{E0ADA58B-37F3-AF4F-BA06-1170185DEFC5}" type="datetimeFigureOut">
               <a:rPr lang="en-IL" smtClean="0"/>
-              <a:t>24/02/2025</a:t>
+              <a:t>16/03/2025</a:t>
             </a:fld>
             <a:endParaRPr lang="en-IL"/>
           </a:p>
@@ -597,7 +597,7 @@
           <a:p>
             <a:fld id="{E0ADA58B-37F3-AF4F-BA06-1170185DEFC5}" type="datetimeFigureOut">
               <a:rPr lang="en-IL" smtClean="0"/>
-              <a:t>24/02/2025</a:t>
+              <a:t>16/03/2025</a:t>
             </a:fld>
             <a:endParaRPr lang="en-IL"/>
           </a:p>
@@ -767,7 +767,7 @@
           <a:p>
             <a:fld id="{E0ADA58B-37F3-AF4F-BA06-1170185DEFC5}" type="datetimeFigureOut">
               <a:rPr lang="en-IL" smtClean="0"/>
-              <a:t>24/02/2025</a:t>
+              <a:t>16/03/2025</a:t>
             </a:fld>
             <a:endParaRPr lang="en-IL"/>
           </a:p>
@@ -1013,7 +1013,7 @@
           <a:p>
             <a:fld id="{E0ADA58B-37F3-AF4F-BA06-1170185DEFC5}" type="datetimeFigureOut">
               <a:rPr lang="en-IL" smtClean="0"/>
-              <a:t>24/02/2025</a:t>
+              <a:t>16/03/2025</a:t>
             </a:fld>
             <a:endParaRPr lang="en-IL"/>
           </a:p>
@@ -1245,7 +1245,7 @@
           <a:p>
             <a:fld id="{E0ADA58B-37F3-AF4F-BA06-1170185DEFC5}" type="datetimeFigureOut">
               <a:rPr lang="en-IL" smtClean="0"/>
-              <a:t>24/02/2025</a:t>
+              <a:t>16/03/2025</a:t>
             </a:fld>
             <a:endParaRPr lang="en-IL"/>
           </a:p>
@@ -1612,7 +1612,7 @@
           <a:p>
             <a:fld id="{E0ADA58B-37F3-AF4F-BA06-1170185DEFC5}" type="datetimeFigureOut">
               <a:rPr lang="en-IL" smtClean="0"/>
-              <a:t>24/02/2025</a:t>
+              <a:t>16/03/2025</a:t>
             </a:fld>
             <a:endParaRPr lang="en-IL"/>
           </a:p>
@@ -1730,7 +1730,7 @@
           <a:p>
             <a:fld id="{E0ADA58B-37F3-AF4F-BA06-1170185DEFC5}" type="datetimeFigureOut">
               <a:rPr lang="en-IL" smtClean="0"/>
-              <a:t>24/02/2025</a:t>
+              <a:t>16/03/2025</a:t>
             </a:fld>
             <a:endParaRPr lang="en-IL"/>
           </a:p>
@@ -1825,7 +1825,7 @@
           <a:p>
             <a:fld id="{E0ADA58B-37F3-AF4F-BA06-1170185DEFC5}" type="datetimeFigureOut">
               <a:rPr lang="en-IL" smtClean="0"/>
-              <a:t>24/02/2025</a:t>
+              <a:t>16/03/2025</a:t>
             </a:fld>
             <a:endParaRPr lang="en-IL"/>
           </a:p>
@@ -2102,7 +2102,7 @@
           <a:p>
             <a:fld id="{E0ADA58B-37F3-AF4F-BA06-1170185DEFC5}" type="datetimeFigureOut">
               <a:rPr lang="en-IL" smtClean="0"/>
-              <a:t>24/02/2025</a:t>
+              <a:t>16/03/2025</a:t>
             </a:fld>
             <a:endParaRPr lang="en-IL"/>
           </a:p>
@@ -2359,7 +2359,7 @@
           <a:p>
             <a:fld id="{E0ADA58B-37F3-AF4F-BA06-1170185DEFC5}" type="datetimeFigureOut">
               <a:rPr lang="en-IL" smtClean="0"/>
-              <a:t>24/02/2025</a:t>
+              <a:t>16/03/2025</a:t>
             </a:fld>
             <a:endParaRPr lang="en-IL"/>
           </a:p>
@@ -2572,7 +2572,7 @@
           <a:p>
             <a:fld id="{E0ADA58B-37F3-AF4F-BA06-1170185DEFC5}" type="datetimeFigureOut">
               <a:rPr lang="en-IL" smtClean="0"/>
-              <a:t>24/02/2025</a:t>
+              <a:t>16/03/2025</a:t>
             </a:fld>
             <a:endParaRPr lang="en-IL"/>
           </a:p>
@@ -10478,7 +10478,7 @@
           </p:nvSpPr>
           <p:spPr>
             <a:xfrm>
-              <a:off x="1945688" y="377597"/>
+              <a:off x="1945688" y="367571"/>
               <a:ext cx="1440000" cy="1440000"/>
             </a:xfrm>
             <a:prstGeom prst="rect">
